--- a/doc/BTT-Vue-Example.pptx
+++ b/doc/BTT-Vue-Example.pptx
@@ -5,7 +5,7 @@
     <p:sldMasterId id="2147484332" r:id="rId1"/>
   </p:sldMasterIdLst>
   <p:notesMasterIdLst>
-    <p:notesMasterId r:id="rId10"/>
+    <p:notesMasterId r:id="rId11"/>
   </p:notesMasterIdLst>
   <p:sldIdLst>
     <p:sldId id="256" r:id="rId2"/>
@@ -16,6 +16,7 @@
     <p:sldId id="258" r:id="rId7"/>
     <p:sldId id="269" r:id="rId8"/>
     <p:sldId id="270" r:id="rId9"/>
+    <p:sldId id="277" r:id="rId10"/>
   </p:sldIdLst>
   <p:sldSz cx="12192000" cy="6858000"/>
   <p:notesSz cx="6858000" cy="9144000"/>
@@ -204,7 +205,7 @@
           <a:p>
             <a:fld id="{03A5E4A7-2B9D-6744-BA4F-61DE616D03D1}" type="datetimeFigureOut">
               <a:rPr kumimoji="1" lang="zh-CN" altLang="en-US" smtClean="0"/>
-              <a:t>2018/9/7</a:t>
+              <a:t>2018/10/19</a:t>
             </a:fld>
             <a:endParaRPr kumimoji="1" lang="zh-CN" altLang="en-US"/>
           </a:p>
@@ -1862,7 +1863,7 @@
           <a:p>
             <a:fld id="{365513D0-FDF9-D44F-A356-1CC02D21D102}" type="datetimeFigureOut">
               <a:rPr kumimoji="1" lang="zh-CN" altLang="en-US" smtClean="0"/>
-              <a:t>2018/9/7</a:t>
+              <a:t>2018/10/19</a:t>
             </a:fld>
             <a:endParaRPr kumimoji="1" lang="zh-CN" altLang="en-US"/>
           </a:p>
@@ -2982,7 +2983,7 @@
           <a:p>
             <a:fld id="{365513D0-FDF9-D44F-A356-1CC02D21D102}" type="datetimeFigureOut">
               <a:rPr kumimoji="1" lang="zh-CN" altLang="en-US" smtClean="0"/>
-              <a:t>2018/9/7</a:t>
+              <a:t>2018/10/19</a:t>
             </a:fld>
             <a:endParaRPr kumimoji="1" lang="zh-CN" altLang="en-US"/>
           </a:p>
@@ -3993,7 +3994,7 @@
           <a:p>
             <a:fld id="{365513D0-FDF9-D44F-A356-1CC02D21D102}" type="datetimeFigureOut">
               <a:rPr kumimoji="1" lang="zh-CN" altLang="en-US" smtClean="0"/>
-              <a:t>2018/9/7</a:t>
+              <a:t>2018/10/19</a:t>
             </a:fld>
             <a:endParaRPr kumimoji="1" lang="zh-CN" altLang="en-US"/>
           </a:p>
@@ -5163,7 +5164,7 @@
           <a:p>
             <a:fld id="{365513D0-FDF9-D44F-A356-1CC02D21D102}" type="datetimeFigureOut">
               <a:rPr kumimoji="1" lang="zh-CN" altLang="en-US" smtClean="0"/>
-              <a:t>2018/9/7</a:t>
+              <a:t>2018/10/19</a:t>
             </a:fld>
             <a:endParaRPr kumimoji="1" lang="zh-CN" altLang="en-US"/>
           </a:p>
@@ -6224,7 +6225,7 @@
           <a:p>
             <a:fld id="{365513D0-FDF9-D44F-A356-1CC02D21D102}" type="datetimeFigureOut">
               <a:rPr kumimoji="1" lang="zh-CN" altLang="en-US" smtClean="0"/>
-              <a:t>2018/9/7</a:t>
+              <a:t>2018/10/19</a:t>
             </a:fld>
             <a:endParaRPr kumimoji="1" lang="zh-CN" altLang="en-US"/>
           </a:p>
@@ -6870,7 +6871,7 @@
           <a:p>
             <a:fld id="{365513D0-FDF9-D44F-A356-1CC02D21D102}" type="datetimeFigureOut">
               <a:rPr kumimoji="1" lang="zh-CN" altLang="en-US" smtClean="0"/>
-              <a:t>2018/9/7</a:t>
+              <a:t>2018/10/19</a:t>
             </a:fld>
             <a:endParaRPr kumimoji="1" lang="zh-CN" altLang="en-US"/>
           </a:p>
@@ -7717,7 +7718,7 @@
           <a:p>
             <a:fld id="{365513D0-FDF9-D44F-A356-1CC02D21D102}" type="datetimeFigureOut">
               <a:rPr kumimoji="1" lang="zh-CN" altLang="en-US" smtClean="0"/>
-              <a:t>2018/9/7</a:t>
+              <a:t>2018/10/19</a:t>
             </a:fld>
             <a:endParaRPr kumimoji="1" lang="zh-CN" altLang="en-US"/>
           </a:p>
@@ -7892,7 +7893,7 @@
           <a:p>
             <a:fld id="{365513D0-FDF9-D44F-A356-1CC02D21D102}" type="datetimeFigureOut">
               <a:rPr kumimoji="1" lang="zh-CN" altLang="en-US" smtClean="0"/>
-              <a:t>2018/9/7</a:t>
+              <a:t>2018/10/19</a:t>
             </a:fld>
             <a:endParaRPr kumimoji="1" lang="zh-CN" altLang="en-US"/>
           </a:p>
@@ -8890,7 +8891,7 @@
           <a:p>
             <a:fld id="{365513D0-FDF9-D44F-A356-1CC02D21D102}" type="datetimeFigureOut">
               <a:rPr kumimoji="1" lang="zh-CN" altLang="en-US" smtClean="0"/>
-              <a:t>2018/9/7</a:t>
+              <a:t>2018/10/19</a:t>
             </a:fld>
             <a:endParaRPr kumimoji="1" lang="zh-CN" altLang="en-US"/>
           </a:p>
@@ -9096,7 +9097,7 @@
           <a:p>
             <a:fld id="{365513D0-FDF9-D44F-A356-1CC02D21D102}" type="datetimeFigureOut">
               <a:rPr kumimoji="1" lang="zh-CN" altLang="en-US" smtClean="0"/>
-              <a:t>2018/9/7</a:t>
+              <a:t>2018/10/19</a:t>
             </a:fld>
             <a:endParaRPr kumimoji="1" lang="zh-CN" altLang="en-US"/>
           </a:p>
@@ -10158,7 +10159,7 @@
           <a:p>
             <a:fld id="{365513D0-FDF9-D44F-A356-1CC02D21D102}" type="datetimeFigureOut">
               <a:rPr kumimoji="1" lang="zh-CN" altLang="en-US" smtClean="0"/>
-              <a:t>2018/9/7</a:t>
+              <a:t>2018/10/19</a:t>
             </a:fld>
             <a:endParaRPr kumimoji="1" lang="zh-CN" altLang="en-US"/>
           </a:p>
@@ -10430,7 +10431,7 @@
           <a:p>
             <a:fld id="{365513D0-FDF9-D44F-A356-1CC02D21D102}" type="datetimeFigureOut">
               <a:rPr kumimoji="1" lang="zh-CN" altLang="en-US" smtClean="0"/>
-              <a:t>2018/9/7</a:t>
+              <a:t>2018/10/19</a:t>
             </a:fld>
             <a:endParaRPr kumimoji="1" lang="zh-CN" altLang="en-US"/>
           </a:p>
@@ -10817,7 +10818,7 @@
           <a:p>
             <a:fld id="{365513D0-FDF9-D44F-A356-1CC02D21D102}" type="datetimeFigureOut">
               <a:rPr kumimoji="1" lang="zh-CN" altLang="en-US" smtClean="0"/>
-              <a:t>2018/9/7</a:t>
+              <a:t>2018/10/19</a:t>
             </a:fld>
             <a:endParaRPr kumimoji="1" lang="zh-CN" altLang="en-US"/>
           </a:p>
@@ -10940,7 +10941,7 @@
           <a:p>
             <a:fld id="{365513D0-FDF9-D44F-A356-1CC02D21D102}" type="datetimeFigureOut">
               <a:rPr kumimoji="1" lang="zh-CN" altLang="en-US" smtClean="0"/>
-              <a:t>2018/9/7</a:t>
+              <a:t>2018/10/19</a:t>
             </a:fld>
             <a:endParaRPr kumimoji="1" lang="zh-CN" altLang="en-US"/>
           </a:p>
@@ -11035,7 +11036,7 @@
           <a:p>
             <a:fld id="{365513D0-FDF9-D44F-A356-1CC02D21D102}" type="datetimeFigureOut">
               <a:rPr kumimoji="1" lang="zh-CN" altLang="en-US" smtClean="0"/>
-              <a:t>2018/9/7</a:t>
+              <a:t>2018/10/19</a:t>
             </a:fld>
             <a:endParaRPr kumimoji="1" lang="zh-CN" altLang="en-US"/>
           </a:p>
@@ -12144,7 +12145,7 @@
           <a:p>
             <a:fld id="{365513D0-FDF9-D44F-A356-1CC02D21D102}" type="datetimeFigureOut">
               <a:rPr kumimoji="1" lang="zh-CN" altLang="en-US" smtClean="0"/>
-              <a:t>2018/9/7</a:t>
+              <a:t>2018/10/19</a:t>
             </a:fld>
             <a:endParaRPr kumimoji="1" lang="zh-CN" altLang="en-US"/>
           </a:p>
@@ -13282,7 +13283,7 @@
           <a:p>
             <a:fld id="{365513D0-FDF9-D44F-A356-1CC02D21D102}" type="datetimeFigureOut">
               <a:rPr kumimoji="1" lang="zh-CN" altLang="en-US" smtClean="0"/>
-              <a:t>2018/9/7</a:t>
+              <a:t>2018/10/19</a:t>
             </a:fld>
             <a:endParaRPr kumimoji="1" lang="zh-CN" altLang="en-US"/>
           </a:p>
@@ -14315,7 +14316,7 @@
           <a:p>
             <a:fld id="{365513D0-FDF9-D44F-A356-1CC02D21D102}" type="datetimeFigureOut">
               <a:rPr kumimoji="1" lang="zh-CN" altLang="en-US" smtClean="0"/>
-              <a:t>2018/9/7</a:t>
+              <a:t>2018/10/19</a:t>
             </a:fld>
             <a:endParaRPr kumimoji="1" lang="zh-CN" altLang="en-US"/>
           </a:p>
@@ -21524,6 +21525,109 @@
     <p:extLst>
       <p:ext uri="{BB962C8B-B14F-4D97-AF65-F5344CB8AC3E}">
         <p14:creationId xmlns:p14="http://schemas.microsoft.com/office/powerpoint/2010/main" val="81667322"/>
+      </p:ext>
+    </p:extLst>
+  </p:cSld>
+  <p:clrMapOvr>
+    <a:masterClrMapping/>
+  </p:clrMapOvr>
+</p:sld>
+</file>
+
+<file path=ppt/slides/slide9.xml><?xml version="1.0" encoding="utf-8"?>
+<p:sld xmlns:a="http://schemas.openxmlformats.org/drawingml/2006/main" xmlns:r="http://schemas.openxmlformats.org/officeDocument/2006/relationships" xmlns:p="http://schemas.openxmlformats.org/presentationml/2006/main">
+  <p:cSld>
+    <p:spTree>
+      <p:nvGrpSpPr>
+        <p:cNvPr id="1" name=""/>
+        <p:cNvGrpSpPr/>
+        <p:nvPr/>
+      </p:nvGrpSpPr>
+      <p:grpSpPr>
+        <a:xfrm>
+          <a:off x="0" y="0"/>
+          <a:ext cx="0" cy="0"/>
+          <a:chOff x="0" y="0"/>
+          <a:chExt cx="0" cy="0"/>
+        </a:xfrm>
+      </p:grpSpPr>
+      <p:sp>
+        <p:nvSpPr>
+          <p:cNvPr id="2" name="Title 1">
+            <a:extLst>
+              <a:ext uri="{FF2B5EF4-FFF2-40B4-BE49-F238E27FC236}">
+                <a16:creationId xmlns:a16="http://schemas.microsoft.com/office/drawing/2014/main" id="{7061F968-7E07-E44C-8187-EE4C06B13228}"/>
+              </a:ext>
+            </a:extLst>
+          </p:cNvPr>
+          <p:cNvSpPr>
+            <a:spLocks noGrp="1"/>
+          </p:cNvSpPr>
+          <p:nvPr>
+            <p:ph type="title"/>
+          </p:nvPr>
+        </p:nvSpPr>
+        <p:spPr/>
+        <p:txBody>
+          <a:bodyPr/>
+          <a:lstStyle/>
+          <a:p>
+            <a:r>
+              <a:rPr lang="en-US" dirty="0"/>
+              <a:t>Browser Support</a:t>
+            </a:r>
+          </a:p>
+        </p:txBody>
+      </p:sp>
+      <p:sp>
+        <p:nvSpPr>
+          <p:cNvPr id="3" name="Content Placeholder 2">
+            <a:extLst>
+              <a:ext uri="{FF2B5EF4-FFF2-40B4-BE49-F238E27FC236}">
+                <a16:creationId xmlns:a16="http://schemas.microsoft.com/office/drawing/2014/main" id="{4A656A39-BCF6-6E42-BAE6-104C5B0E64C7}"/>
+              </a:ext>
+            </a:extLst>
+          </p:cNvPr>
+          <p:cNvSpPr>
+            <a:spLocks noGrp="1"/>
+          </p:cNvSpPr>
+          <p:nvPr>
+            <p:ph idx="1"/>
+          </p:nvPr>
+        </p:nvSpPr>
+        <p:spPr/>
+        <p:txBody>
+          <a:bodyPr/>
+          <a:lstStyle/>
+          <a:p>
+            <a:r>
+              <a:rPr lang="en-US" dirty="0" err="1"/>
+              <a:t>FireFox</a:t>
+            </a:r>
+            <a:r>
+              <a:rPr lang="zh-CN" altLang="en-US" dirty="0"/>
+              <a:t> </a:t>
+            </a:r>
+            <a:endParaRPr lang="en-US" dirty="0"/>
+          </a:p>
+          <a:p>
+            <a:r>
+              <a:rPr lang="en-US" dirty="0"/>
+              <a:t>Chrome</a:t>
+            </a:r>
+          </a:p>
+          <a:p>
+            <a:r>
+              <a:rPr lang="en-US" dirty="0"/>
+              <a:t>Safari</a:t>
+            </a:r>
+          </a:p>
+        </p:txBody>
+      </p:sp>
+    </p:spTree>
+    <p:extLst>
+      <p:ext uri="{BB962C8B-B14F-4D97-AF65-F5344CB8AC3E}">
+        <p14:creationId xmlns:p14="http://schemas.microsoft.com/office/powerpoint/2010/main" val="2813639011"/>
       </p:ext>
     </p:extLst>
   </p:cSld>
